--- a/20220929_teamA.pptx
+++ b/20220929_teamA.pptx
@@ -11500,13 +11500,13 @@
   <p:clrMapOvr>
     <a:masterClrMapping/>
   </p:clrMapOvr>
-  <mc:AlternateContent xmlns:mc="http://schemas.openxmlformats.org/markup-compatibility/2006">
-    <mc:Choice xmlns:p14="http://schemas.microsoft.com/office/powerpoint/2010/main" Requires="p14">
+  <mc:AlternateContent xmlns:mc="http://schemas.openxmlformats.org/markup-compatibility/2006" xmlns:p14="http://schemas.microsoft.com/office/powerpoint/2010/main">
+    <mc:Choice Requires="p14">
       <p:transition spd="med" p14:dur="700">
         <p:fade/>
       </p:transition>
     </mc:Choice>
-    <mc:Fallback>
+    <mc:Fallback xmlns="">
       <p:transition spd="med">
         <p:fade/>
       </p:transition>
@@ -11969,13 +11969,13 @@
   <p:clrMapOvr>
     <a:masterClrMapping/>
   </p:clrMapOvr>
-  <mc:AlternateContent xmlns:mc="http://schemas.openxmlformats.org/markup-compatibility/2006">
-    <mc:Choice xmlns:p14="http://schemas.microsoft.com/office/powerpoint/2010/main" Requires="p14">
+  <mc:AlternateContent xmlns:mc="http://schemas.openxmlformats.org/markup-compatibility/2006" xmlns:p14="http://schemas.microsoft.com/office/powerpoint/2010/main">
+    <mc:Choice Requires="p14">
       <p:transition spd="med" p14:dur="700">
         <p:fade/>
       </p:transition>
     </mc:Choice>
-    <mc:Fallback>
+    <mc:Fallback xmlns="">
       <p:transition spd="med">
         <p:fade/>
       </p:transition>
@@ -14805,13 +14805,13 @@
   <p:clrMapOvr>
     <a:masterClrMapping/>
   </p:clrMapOvr>
-  <mc:AlternateContent xmlns:mc="http://schemas.openxmlformats.org/markup-compatibility/2006">
-    <mc:Choice xmlns:p14="http://schemas.microsoft.com/office/powerpoint/2010/main" Requires="p14">
+  <mc:AlternateContent xmlns:mc="http://schemas.openxmlformats.org/markup-compatibility/2006" xmlns:p14="http://schemas.microsoft.com/office/powerpoint/2010/main">
+    <mc:Choice Requires="p14">
       <p:transition spd="med" p14:dur="700">
         <p:fade/>
       </p:transition>
     </mc:Choice>
-    <mc:Fallback>
+    <mc:Fallback xmlns="">
       <p:transition spd="med">
         <p:fade/>
       </p:transition>
@@ -15346,13 +15346,13 @@
   <p:clrMapOvr>
     <a:masterClrMapping/>
   </p:clrMapOvr>
-  <mc:AlternateContent xmlns:mc="http://schemas.openxmlformats.org/markup-compatibility/2006">
-    <mc:Choice xmlns:p14="http://schemas.microsoft.com/office/powerpoint/2010/main" Requires="p14">
+  <mc:AlternateContent xmlns:mc="http://schemas.openxmlformats.org/markup-compatibility/2006" xmlns:p14="http://schemas.microsoft.com/office/powerpoint/2010/main">
+    <mc:Choice Requires="p14">
       <p:transition spd="med" p14:dur="700">
         <p:fade/>
       </p:transition>
     </mc:Choice>
-    <mc:Fallback>
+    <mc:Fallback xmlns="">
       <p:transition spd="med">
         <p:fade/>
       </p:transition>
@@ -15901,13 +15901,13 @@
   <p:clrMapOvr>
     <a:masterClrMapping/>
   </p:clrMapOvr>
-  <mc:AlternateContent xmlns:mc="http://schemas.openxmlformats.org/markup-compatibility/2006">
-    <mc:Choice xmlns:p14="http://schemas.microsoft.com/office/powerpoint/2010/main" Requires="p14">
+  <mc:AlternateContent xmlns:mc="http://schemas.openxmlformats.org/markup-compatibility/2006" xmlns:p14="http://schemas.microsoft.com/office/powerpoint/2010/main">
+    <mc:Choice Requires="p14">
       <p:transition spd="med" p14:dur="700">
         <p:fade/>
       </p:transition>
     </mc:Choice>
-    <mc:Fallback>
+    <mc:Fallback xmlns="">
       <p:transition spd="med">
         <p:fade/>
       </p:transition>
@@ -16947,13 +16947,13 @@
   <p:clrMapOvr>
     <a:masterClrMapping/>
   </p:clrMapOvr>
-  <mc:AlternateContent xmlns:mc="http://schemas.openxmlformats.org/markup-compatibility/2006">
-    <mc:Choice xmlns:p14="http://schemas.microsoft.com/office/powerpoint/2010/main" Requires="p14">
+  <mc:AlternateContent xmlns:mc="http://schemas.openxmlformats.org/markup-compatibility/2006" xmlns:p14="http://schemas.microsoft.com/office/powerpoint/2010/main">
+    <mc:Choice Requires="p14">
       <p:transition spd="med" p14:dur="700">
         <p:fade/>
       </p:transition>
     </mc:Choice>
-    <mc:Fallback>
+    <mc:Fallback xmlns="">
       <p:transition spd="med">
         <p:fade/>
       </p:transition>
@@ -18630,13 +18630,13 @@
   <p:clrMapOvr>
     <a:masterClrMapping/>
   </p:clrMapOvr>
-  <mc:AlternateContent xmlns:mc="http://schemas.openxmlformats.org/markup-compatibility/2006">
-    <mc:Choice xmlns:p14="http://schemas.microsoft.com/office/powerpoint/2010/main" Requires="p14">
+  <mc:AlternateContent xmlns:mc="http://schemas.openxmlformats.org/markup-compatibility/2006" xmlns:p14="http://schemas.microsoft.com/office/powerpoint/2010/main">
+    <mc:Choice Requires="p14">
       <p:transition spd="med" p14:dur="700">
         <p:fade/>
       </p:transition>
     </mc:Choice>
-    <mc:Fallback>
+    <mc:Fallback xmlns="">
       <p:transition spd="med">
         <p:fade/>
       </p:transition>
@@ -20059,13 +20059,13 @@
   <p:clrMapOvr>
     <a:masterClrMapping/>
   </p:clrMapOvr>
-  <mc:AlternateContent xmlns:mc="http://schemas.openxmlformats.org/markup-compatibility/2006">
-    <mc:Choice xmlns:p14="http://schemas.microsoft.com/office/powerpoint/2010/main" Requires="p14">
+  <mc:AlternateContent xmlns:mc="http://schemas.openxmlformats.org/markup-compatibility/2006" xmlns:p14="http://schemas.microsoft.com/office/powerpoint/2010/main">
+    <mc:Choice Requires="p14">
       <p:transition spd="med" p14:dur="700">
         <p:fade/>
       </p:transition>
     </mc:Choice>
-    <mc:Fallback>
+    <mc:Fallback xmlns="">
       <p:transition spd="med">
         <p:fade/>
       </p:transition>
@@ -22411,13 +22411,13 @@
   <p:clrMapOvr>
     <a:masterClrMapping/>
   </p:clrMapOvr>
-  <mc:AlternateContent xmlns:mc="http://schemas.openxmlformats.org/markup-compatibility/2006">
-    <mc:Choice xmlns:p14="http://schemas.microsoft.com/office/powerpoint/2010/main" Requires="p14">
+  <mc:AlternateContent xmlns:mc="http://schemas.openxmlformats.org/markup-compatibility/2006" xmlns:p14="http://schemas.microsoft.com/office/powerpoint/2010/main">
+    <mc:Choice Requires="p14">
       <p:transition spd="med" p14:dur="700">
         <p:fade/>
       </p:transition>
     </mc:Choice>
-    <mc:Fallback>
+    <mc:Fallback xmlns="">
       <p:transition spd="med">
         <p:fade/>
       </p:transition>
@@ -23255,13 +23255,13 @@
   <p:clrMapOvr>
     <a:masterClrMapping/>
   </p:clrMapOvr>
-  <mc:AlternateContent xmlns:mc="http://schemas.openxmlformats.org/markup-compatibility/2006">
-    <mc:Choice xmlns:p14="http://schemas.microsoft.com/office/powerpoint/2010/main" Requires="p14">
+  <mc:AlternateContent xmlns:mc="http://schemas.openxmlformats.org/markup-compatibility/2006" xmlns:p14="http://schemas.microsoft.com/office/powerpoint/2010/main">
+    <mc:Choice Requires="p14">
       <p:transition spd="med" p14:dur="700">
         <p:fade/>
       </p:transition>
     </mc:Choice>
-    <mc:Fallback>
+    <mc:Fallback xmlns="">
       <p:transition spd="med">
         <p:fade/>
       </p:transition>
@@ -23900,13 +23900,13 @@
   <p:clrMapOvr>
     <a:masterClrMapping/>
   </p:clrMapOvr>
-  <mc:AlternateContent xmlns:mc="http://schemas.openxmlformats.org/markup-compatibility/2006">
-    <mc:Choice xmlns:p14="http://schemas.microsoft.com/office/powerpoint/2010/main" Requires="p14">
+  <mc:AlternateContent xmlns:mc="http://schemas.openxmlformats.org/markup-compatibility/2006" xmlns:p14="http://schemas.microsoft.com/office/powerpoint/2010/main">
+    <mc:Choice Requires="p14">
       <p:transition spd="med" p14:dur="700">
         <p:fade/>
       </p:transition>
     </mc:Choice>
-    <mc:Fallback>
+    <mc:Fallback xmlns="">
       <p:transition spd="med">
         <p:fade/>
       </p:transition>
@@ -24475,17 +24475,7 @@
                 <a:latin typeface="HY강M" panose="02030600000101010101" pitchFamily="18" charset="-127"/>
                 <a:ea typeface="HY강M" panose="02030600000101010101" pitchFamily="18" charset="-127"/>
               </a:rPr>
-              <a:t>0</a:t>
-            </a:r>
-            <a:r>
-              <a:rPr lang="en-US" altLang="ko-KR" sz="3200" b="1" smtClean="0">
-                <a:solidFill>
-                  <a:srgbClr val="40474D"/>
-                </a:solidFill>
-                <a:latin typeface="HY강M" panose="02030600000101010101" pitchFamily="18" charset="-127"/>
-                <a:ea typeface="HY강M" panose="02030600000101010101" pitchFamily="18" charset="-127"/>
-              </a:rPr>
-              <a:t>%</a:t>
+              <a:t>0%</a:t>
             </a:r>
             <a:endParaRPr lang="ko-KR" altLang="en-US" sz="3200" b="1" dirty="0">
               <a:solidFill>
@@ -24647,13 +24637,13 @@
   <p:clrMapOvr>
     <a:masterClrMapping/>
   </p:clrMapOvr>
-  <mc:AlternateContent xmlns:mc="http://schemas.openxmlformats.org/markup-compatibility/2006">
-    <mc:Choice xmlns:p14="http://schemas.microsoft.com/office/powerpoint/2010/main" Requires="p14">
+  <mc:AlternateContent xmlns:mc="http://schemas.openxmlformats.org/markup-compatibility/2006" xmlns:p14="http://schemas.microsoft.com/office/powerpoint/2010/main">
+    <mc:Choice Requires="p14">
       <p:transition spd="med" p14:dur="700">
         <p:fade/>
       </p:transition>
     </mc:Choice>
-    <mc:Fallback>
+    <mc:Fallback xmlns="">
       <p:transition spd="med">
         <p:fade/>
       </p:transition>
@@ -24783,13 +24773,13 @@
   <p:clrMapOvr>
     <a:masterClrMapping/>
   </p:clrMapOvr>
-  <mc:AlternateContent xmlns:mc="http://schemas.openxmlformats.org/markup-compatibility/2006">
-    <mc:Choice xmlns:p14="http://schemas.microsoft.com/office/powerpoint/2010/main" Requires="p14">
+  <mc:AlternateContent xmlns:mc="http://schemas.openxmlformats.org/markup-compatibility/2006" xmlns:p14="http://schemas.microsoft.com/office/powerpoint/2010/main">
+    <mc:Choice Requires="p14">
       <p:transition spd="med" p14:dur="700">
         <p:fade/>
       </p:transition>
     </mc:Choice>
-    <mc:Fallback>
+    <mc:Fallback xmlns="">
       <p:transition spd="med">
         <p:fade/>
       </p:transition>
@@ -24961,13 +24951,13 @@
   <p:clrMapOvr>
     <a:masterClrMapping/>
   </p:clrMapOvr>
-  <mc:AlternateContent xmlns:mc="http://schemas.openxmlformats.org/markup-compatibility/2006">
-    <mc:Choice xmlns:p14="http://schemas.microsoft.com/office/powerpoint/2010/main" Requires="p14">
+  <mc:AlternateContent xmlns:mc="http://schemas.openxmlformats.org/markup-compatibility/2006" xmlns:p14="http://schemas.microsoft.com/office/powerpoint/2010/main">
+    <mc:Choice Requires="p14">
       <p:transition spd="med" p14:dur="700">
         <p:fade/>
       </p:transition>
     </mc:Choice>
-    <mc:Fallback>
+    <mc:Fallback xmlns="">
       <p:transition spd="med">
         <p:fade/>
       </p:transition>
@@ -25040,13 +25030,13 @@
   <p:clrMapOvr>
     <a:masterClrMapping/>
   </p:clrMapOvr>
-  <mc:AlternateContent xmlns:mc="http://schemas.openxmlformats.org/markup-compatibility/2006">
-    <mc:Choice xmlns:p14="http://schemas.microsoft.com/office/powerpoint/2010/main" Requires="p14">
+  <mc:AlternateContent xmlns:mc="http://schemas.openxmlformats.org/markup-compatibility/2006" xmlns:p14="http://schemas.microsoft.com/office/powerpoint/2010/main">
+    <mc:Choice Requires="p14">
       <p:transition spd="med" p14:dur="700">
         <p:fade/>
       </p:transition>
     </mc:Choice>
-    <mc:Fallback>
+    <mc:Fallback xmlns="">
       <p:transition spd="med">
         <p:fade/>
       </p:transition>
@@ -26336,13 +26326,13 @@
   <p:clrMapOvr>
     <a:masterClrMapping/>
   </p:clrMapOvr>
-  <mc:AlternateContent xmlns:mc="http://schemas.openxmlformats.org/markup-compatibility/2006">
-    <mc:Choice xmlns:p14="http://schemas.microsoft.com/office/powerpoint/2010/main" Requires="p14">
+  <mc:AlternateContent xmlns:mc="http://schemas.openxmlformats.org/markup-compatibility/2006" xmlns:p14="http://schemas.microsoft.com/office/powerpoint/2010/main">
+    <mc:Choice Requires="p14">
       <p:transition spd="med" p14:dur="700">
         <p:fade/>
       </p:transition>
     </mc:Choice>
-    <mc:Fallback>
+    <mc:Fallback xmlns="">
       <p:transition spd="med">
         <p:fade/>
       </p:transition>
@@ -27192,13 +27182,13 @@
   <p:clrMapOvr>
     <a:masterClrMapping/>
   </p:clrMapOvr>
-  <mc:AlternateContent xmlns:mc="http://schemas.openxmlformats.org/markup-compatibility/2006">
-    <mc:Choice xmlns:p14="http://schemas.microsoft.com/office/powerpoint/2010/main" Requires="p14">
+  <mc:AlternateContent xmlns:mc="http://schemas.openxmlformats.org/markup-compatibility/2006" xmlns:p14="http://schemas.microsoft.com/office/powerpoint/2010/main">
+    <mc:Choice Requires="p14">
       <p:transition spd="med" p14:dur="700">
         <p:fade/>
       </p:transition>
     </mc:Choice>
-    <mc:Fallback>
+    <mc:Fallback xmlns="">
       <p:transition spd="med">
         <p:fade/>
       </p:transition>
@@ -27318,13 +27308,13 @@
   <p:clrMapOvr>
     <a:masterClrMapping/>
   </p:clrMapOvr>
-  <mc:AlternateContent xmlns:mc="http://schemas.openxmlformats.org/markup-compatibility/2006">
-    <mc:Choice xmlns:p14="http://schemas.microsoft.com/office/powerpoint/2010/main" Requires="p14">
+  <mc:AlternateContent xmlns:mc="http://schemas.openxmlformats.org/markup-compatibility/2006" xmlns:p14="http://schemas.microsoft.com/office/powerpoint/2010/main">
+    <mc:Choice Requires="p14">
       <p:transition spd="med" p14:dur="700">
         <p:fade/>
       </p:transition>
     </mc:Choice>
-    <mc:Fallback>
+    <mc:Fallback xmlns="">
       <p:transition spd="med">
         <p:fade/>
       </p:transition>
@@ -31051,17 +31041,7 @@
                 <a:latin typeface="HY강M" panose="02030600000101010101" pitchFamily="18" charset="-127"/>
                 <a:ea typeface="HY강M" panose="02030600000101010101" pitchFamily="18" charset="-127"/>
               </a:rPr>
-              <a:t>0</a:t>
-            </a:r>
-            <a:r>
-              <a:rPr lang="en-US" altLang="ko-KR" sz="3200" b="1" smtClean="0">
-                <a:solidFill>
-                  <a:srgbClr val="40474D"/>
-                </a:solidFill>
-                <a:latin typeface="HY강M" panose="02030600000101010101" pitchFamily="18" charset="-127"/>
-                <a:ea typeface="HY강M" panose="02030600000101010101" pitchFamily="18" charset="-127"/>
-              </a:rPr>
-              <a:t>%</a:t>
+              <a:t>0%</a:t>
             </a:r>
             <a:endParaRPr lang="ko-KR" altLang="en-US" sz="3200" b="1" dirty="0">
               <a:solidFill>

--- a/20220929_teamA.pptx
+++ b/20220929_teamA.pptx
@@ -176,7 +176,6 @@
   </mc:AlternateContent>
   <c:chart>
     <c:title>
-      <c:layout/>
       <c:overlay val="0"/>
       <c:spPr>
         <a:noFill/>
@@ -461,7 +460,6 @@
         <c:delete val="0"/>
         <c:axPos val="b"/>
         <c:title>
-          <c:layout/>
           <c:overlay val="0"/>
           <c:spPr>
             <a:noFill/>
@@ -557,7 +555,6 @@
           </c:spPr>
         </c:majorGridlines>
         <c:title>
-          <c:layout/>
           <c:overlay val="0"/>
           <c:spPr>
             <a:noFill/>
@@ -632,7 +629,6 @@
     </c:plotArea>
     <c:legend>
       <c:legendPos val="r"/>
-      <c:layout/>
       <c:overlay val="0"/>
       <c:spPr>
         <a:noFill/>
@@ -4951,7 +4947,7 @@
           <a:p>
             <a:fld id="{246E467A-4026-4A8D-97BF-715EF7FA6491}" type="datetimeFigureOut">
               <a:rPr lang="ko-KR" altLang="en-US" smtClean="0"/>
-              <a:t>2022-09-30</a:t>
+              <a:t>2022-10-17</a:t>
             </a:fld>
             <a:endParaRPr lang="ko-KR" altLang="en-US"/>
           </a:p>
@@ -5149,7 +5145,7 @@
           <a:p>
             <a:fld id="{246E467A-4026-4A8D-97BF-715EF7FA6491}" type="datetimeFigureOut">
               <a:rPr lang="ko-KR" altLang="en-US" smtClean="0"/>
-              <a:t>2022-09-30</a:t>
+              <a:t>2022-10-17</a:t>
             </a:fld>
             <a:endParaRPr lang="ko-KR" altLang="en-US"/>
           </a:p>
@@ -5357,7 +5353,7 @@
           <a:p>
             <a:fld id="{246E467A-4026-4A8D-97BF-715EF7FA6491}" type="datetimeFigureOut">
               <a:rPr lang="ko-KR" altLang="en-US" smtClean="0"/>
-              <a:t>2022-09-30</a:t>
+              <a:t>2022-10-17</a:t>
             </a:fld>
             <a:endParaRPr lang="ko-KR" altLang="en-US"/>
           </a:p>
@@ -5555,7 +5551,7 @@
           <a:p>
             <a:fld id="{246E467A-4026-4A8D-97BF-715EF7FA6491}" type="datetimeFigureOut">
               <a:rPr lang="ko-KR" altLang="en-US" smtClean="0"/>
-              <a:t>2022-09-30</a:t>
+              <a:t>2022-10-17</a:t>
             </a:fld>
             <a:endParaRPr lang="ko-KR" altLang="en-US"/>
           </a:p>
@@ -5830,7 +5826,7 @@
           <a:p>
             <a:fld id="{246E467A-4026-4A8D-97BF-715EF7FA6491}" type="datetimeFigureOut">
               <a:rPr lang="ko-KR" altLang="en-US" smtClean="0"/>
-              <a:t>2022-09-30</a:t>
+              <a:t>2022-10-17</a:t>
             </a:fld>
             <a:endParaRPr lang="ko-KR" altLang="en-US"/>
           </a:p>
@@ -6095,7 +6091,7 @@
           <a:p>
             <a:fld id="{246E467A-4026-4A8D-97BF-715EF7FA6491}" type="datetimeFigureOut">
               <a:rPr lang="ko-KR" altLang="en-US" smtClean="0"/>
-              <a:t>2022-09-30</a:t>
+              <a:t>2022-10-17</a:t>
             </a:fld>
             <a:endParaRPr lang="ko-KR" altLang="en-US"/>
           </a:p>
@@ -6507,7 +6503,7 @@
           <a:p>
             <a:fld id="{246E467A-4026-4A8D-97BF-715EF7FA6491}" type="datetimeFigureOut">
               <a:rPr lang="ko-KR" altLang="en-US" smtClean="0"/>
-              <a:t>2022-09-30</a:t>
+              <a:t>2022-10-17</a:t>
             </a:fld>
             <a:endParaRPr lang="ko-KR" altLang="en-US"/>
           </a:p>
@@ -6648,7 +6644,7 @@
           <a:p>
             <a:fld id="{246E467A-4026-4A8D-97BF-715EF7FA6491}" type="datetimeFigureOut">
               <a:rPr lang="ko-KR" altLang="en-US" smtClean="0"/>
-              <a:t>2022-09-30</a:t>
+              <a:t>2022-10-17</a:t>
             </a:fld>
             <a:endParaRPr lang="ko-KR" altLang="en-US"/>
           </a:p>
@@ -6761,7 +6757,7 @@
           <a:p>
             <a:fld id="{246E467A-4026-4A8D-97BF-715EF7FA6491}" type="datetimeFigureOut">
               <a:rPr lang="ko-KR" altLang="en-US" smtClean="0"/>
-              <a:t>2022-09-30</a:t>
+              <a:t>2022-10-17</a:t>
             </a:fld>
             <a:endParaRPr lang="ko-KR" altLang="en-US"/>
           </a:p>
@@ -7072,7 +7068,7 @@
           <a:p>
             <a:fld id="{246E467A-4026-4A8D-97BF-715EF7FA6491}" type="datetimeFigureOut">
               <a:rPr lang="ko-KR" altLang="en-US" smtClean="0"/>
-              <a:t>2022-09-30</a:t>
+              <a:t>2022-10-17</a:t>
             </a:fld>
             <a:endParaRPr lang="ko-KR" altLang="en-US"/>
           </a:p>
@@ -7360,7 +7356,7 @@
           <a:p>
             <a:fld id="{246E467A-4026-4A8D-97BF-715EF7FA6491}" type="datetimeFigureOut">
               <a:rPr lang="ko-KR" altLang="en-US" smtClean="0"/>
-              <a:t>2022-09-30</a:t>
+              <a:t>2022-10-17</a:t>
             </a:fld>
             <a:endParaRPr lang="ko-KR" altLang="en-US"/>
           </a:p>
@@ -7601,7 +7597,7 @@
           <a:p>
             <a:fld id="{246E467A-4026-4A8D-97BF-715EF7FA6491}" type="datetimeFigureOut">
               <a:rPr lang="ko-KR" altLang="en-US" smtClean="0"/>
-              <a:t>2022-09-30</a:t>
+              <a:t>2022-10-17</a:t>
             </a:fld>
             <a:endParaRPr lang="ko-KR" altLang="en-US"/>
           </a:p>
@@ -27331,7 +27327,7 @@
 </file>
 
 <file path=ppt/slides/slide4.xml><?xml version="1.0" encoding="utf-8"?>
-<p:sld xmlns:a="http://schemas.openxmlformats.org/drawingml/2006/main" xmlns:r="http://schemas.openxmlformats.org/officeDocument/2006/relationships" xmlns:p="http://schemas.openxmlformats.org/presentationml/2006/main">
+<p:sld xmlns:a="http://schemas.openxmlformats.org/drawingml/2006/main" xmlns:r="http://schemas.openxmlformats.org/officeDocument/2006/relationships" xmlns:p="http://schemas.openxmlformats.org/presentationml/2006/main" show="0">
   <p:cSld>
     <p:spTree>
       <p:nvGrpSpPr>
@@ -28201,6 +28197,14 @@
   <p:clrMapOvr>
     <a:masterClrMapping/>
   </p:clrMapOvr>
+  <mc:AlternateContent xmlns:mc="http://schemas.openxmlformats.org/markup-compatibility/2006">
+    <mc:Choice xmlns:p14="http://schemas.microsoft.com/office/powerpoint/2010/main" Requires="p14">
+      <p:transition spd="slow" p14:dur="2000"/>
+    </mc:Choice>
+    <mc:Fallback>
+      <p:transition spd="slow"/>
+    </mc:Fallback>
+  </mc:AlternateContent>
   <p:timing>
     <p:tnLst>
       <p:par>
@@ -28788,7 +28792,7 @@
         </p:blipFill>
         <p:spPr bwMode="auto">
           <a:xfrm>
-            <a:off x="8744967" y="5266906"/>
+            <a:off x="8744967" y="5610678"/>
             <a:ext cx="2196286" cy="1235411"/>
           </a:xfrm>
           <a:prstGeom prst="rect">
@@ -28829,7 +28833,7 @@
         </p:blipFill>
         <p:spPr bwMode="auto">
           <a:xfrm>
-            <a:off x="8558908" y="1779277"/>
+            <a:off x="8593575" y="1499158"/>
             <a:ext cx="2499069" cy="999628"/>
           </a:xfrm>
           <a:prstGeom prst="rect">
@@ -28943,7 +28947,7 @@
         </p:nvSpPr>
         <p:spPr>
           <a:xfrm>
-            <a:off x="8942865" y="1229708"/>
+            <a:off x="8942863" y="927745"/>
             <a:ext cx="1800494" cy="461665"/>
           </a:xfrm>
           <a:prstGeom prst="rect">
@@ -28986,7 +28990,7 @@
         </p:nvSpPr>
         <p:spPr>
           <a:xfrm>
-            <a:off x="9212168" y="5023374"/>
+            <a:off x="9212168" y="5367146"/>
             <a:ext cx="1261885" cy="461665"/>
           </a:xfrm>
           <a:prstGeom prst="rect">
@@ -29077,7 +29081,7 @@
         </p:blipFill>
         <p:spPr bwMode="auto">
           <a:xfrm>
-            <a:off x="8408443" y="3649731"/>
+            <a:off x="8408443" y="4298303"/>
             <a:ext cx="2799997" cy="997402"/>
           </a:xfrm>
           <a:prstGeom prst="rect">
@@ -29109,7 +29113,7 @@
         </p:nvSpPr>
         <p:spPr>
           <a:xfrm>
-            <a:off x="9346822" y="3161913"/>
+            <a:off x="9346822" y="3810485"/>
             <a:ext cx="992579" cy="461665"/>
           </a:xfrm>
           <a:prstGeom prst="rect">
@@ -29163,6 +29167,47 @@
           <a:xfrm>
             <a:off x="4501875" y="2217365"/>
             <a:ext cx="2826650" cy="690100"/>
+          </a:xfrm>
+          <a:prstGeom prst="rect">
+            <a:avLst/>
+          </a:prstGeom>
+          <a:noFill/>
+          <a:extLst>
+            <a:ext uri="{909E8E84-426E-40DD-AFC4-6F175D3DCCD1}">
+              <a14:hiddenFill xmlns:a14="http://schemas.microsoft.com/office/drawing/2010/main">
+                <a:solidFill>
+                  <a:srgbClr val="FFFFFF"/>
+                </a:solidFill>
+              </a14:hiddenFill>
+            </a:ext>
+          </a:extLst>
+        </p:spPr>
+      </p:pic>
+      <p:pic>
+        <p:nvPicPr>
+          <p:cNvPr id="2" name="Picture 2" descr="MySQL logo and symbol, meaning, history, PNG"/>
+          <p:cNvPicPr>
+            <a:picLocks noChangeAspect="1" noChangeArrowheads="1"/>
+          </p:cNvPicPr>
+          <p:nvPr/>
+        </p:nvPicPr>
+        <p:blipFill>
+          <a:blip r:embed="rId14" cstate="screen">
+            <a:extLst>
+              <a:ext uri="{28A0092B-C50C-407E-A947-70E740481C1C}">
+                <a14:useLocalDpi xmlns:a14="http://schemas.microsoft.com/office/drawing/2010/main" val="0"/>
+              </a:ext>
+            </a:extLst>
+          </a:blip>
+          <a:srcRect/>
+          <a:stretch>
+            <a:fillRect/>
+          </a:stretch>
+        </p:blipFill>
+        <p:spPr bwMode="auto">
+          <a:xfrm>
+            <a:off x="8755012" y="2473360"/>
+            <a:ext cx="2106857" cy="1317207"/>
           </a:xfrm>
           <a:prstGeom prst="rect">
             <a:avLst/>
